--- a/2019-09-03/figure/プレゼンテーション1.pptx
+++ b/2019-09-03/figure/プレゼンテーション1.pptx
@@ -6,8 +6,9 @@
   </p:sldMasterIdLst>
   <p:sldIdLst>
     <p:sldId id="256" r:id="rId2"/>
-    <p:sldId id="257" r:id="rId3"/>
-    <p:sldId id="259" r:id="rId4"/>
+    <p:sldId id="261" r:id="rId3"/>
+    <p:sldId id="257" r:id="rId4"/>
+    <p:sldId id="259" r:id="rId5"/>
   </p:sldIdLst>
   <p:sldSz cx="12192000" cy="6858000"/>
   <p:notesSz cx="6858000" cy="9144000"/>
@@ -245,7 +246,7 @@
           <a:p>
             <a:fld id="{9A391B90-8A79-412C-89FE-F2A94E6B2FAF}" type="datetimeFigureOut">
               <a:rPr kumimoji="1" lang="ja-JP" altLang="en-US" smtClean="0"/>
-              <a:t>2019/9/3</a:t>
+              <a:t>2019/11/4</a:t>
             </a:fld>
             <a:endParaRPr kumimoji="1" lang="ja-JP" altLang="en-US" dirty="0"/>
           </a:p>
@@ -447,7 +448,7 @@
           <a:p>
             <a:fld id="{9A391B90-8A79-412C-89FE-F2A94E6B2FAF}" type="datetimeFigureOut">
               <a:rPr kumimoji="1" lang="ja-JP" altLang="en-US" smtClean="0"/>
-              <a:t>2019/9/3</a:t>
+              <a:t>2019/11/4</a:t>
             </a:fld>
             <a:endParaRPr kumimoji="1" lang="ja-JP" altLang="en-US" dirty="0"/>
           </a:p>
@@ -659,7 +660,7 @@
           <a:p>
             <a:fld id="{9A391B90-8A79-412C-89FE-F2A94E6B2FAF}" type="datetimeFigureOut">
               <a:rPr kumimoji="1" lang="ja-JP" altLang="en-US" smtClean="0"/>
-              <a:t>2019/9/3</a:t>
+              <a:t>2019/11/4</a:t>
             </a:fld>
             <a:endParaRPr kumimoji="1" lang="ja-JP" altLang="en-US" dirty="0"/>
           </a:p>
@@ -861,7 +862,7 @@
           <a:p>
             <a:fld id="{9A391B90-8A79-412C-89FE-F2A94E6B2FAF}" type="datetimeFigureOut">
               <a:rPr kumimoji="1" lang="ja-JP" altLang="en-US" smtClean="0"/>
-              <a:t>2019/9/3</a:t>
+              <a:t>2019/11/4</a:t>
             </a:fld>
             <a:endParaRPr kumimoji="1" lang="ja-JP" altLang="en-US" dirty="0"/>
           </a:p>
@@ -1107,7 +1108,7 @@
           <a:p>
             <a:fld id="{9A391B90-8A79-412C-89FE-F2A94E6B2FAF}" type="datetimeFigureOut">
               <a:rPr kumimoji="1" lang="ja-JP" altLang="en-US" smtClean="0"/>
-              <a:t>2019/9/3</a:t>
+              <a:t>2019/11/4</a:t>
             </a:fld>
             <a:endParaRPr kumimoji="1" lang="ja-JP" altLang="en-US" dirty="0"/>
           </a:p>
@@ -1403,7 +1404,7 @@
           <a:p>
             <a:fld id="{9A391B90-8A79-412C-89FE-F2A94E6B2FAF}" type="datetimeFigureOut">
               <a:rPr kumimoji="1" lang="ja-JP" altLang="en-US" smtClean="0"/>
-              <a:t>2019/9/3</a:t>
+              <a:t>2019/11/4</a:t>
             </a:fld>
             <a:endParaRPr kumimoji="1" lang="ja-JP" altLang="en-US" dirty="0"/>
           </a:p>
@@ -1834,7 +1835,7 @@
           <a:p>
             <a:fld id="{9A391B90-8A79-412C-89FE-F2A94E6B2FAF}" type="datetimeFigureOut">
               <a:rPr kumimoji="1" lang="ja-JP" altLang="en-US" smtClean="0"/>
-              <a:t>2019/9/3</a:t>
+              <a:t>2019/11/4</a:t>
             </a:fld>
             <a:endParaRPr kumimoji="1" lang="ja-JP" altLang="en-US" dirty="0"/>
           </a:p>
@@ -1952,7 +1953,7 @@
           <a:p>
             <a:fld id="{9A391B90-8A79-412C-89FE-F2A94E6B2FAF}" type="datetimeFigureOut">
               <a:rPr kumimoji="1" lang="ja-JP" altLang="en-US" smtClean="0"/>
-              <a:t>2019/9/3</a:t>
+              <a:t>2019/11/4</a:t>
             </a:fld>
             <a:endParaRPr kumimoji="1" lang="ja-JP" altLang="en-US" dirty="0"/>
           </a:p>
@@ -2047,7 +2048,7 @@
           <a:p>
             <a:fld id="{9A391B90-8A79-412C-89FE-F2A94E6B2FAF}" type="datetimeFigureOut">
               <a:rPr kumimoji="1" lang="ja-JP" altLang="en-US" smtClean="0"/>
-              <a:t>2019/9/3</a:t>
+              <a:t>2019/11/4</a:t>
             </a:fld>
             <a:endParaRPr kumimoji="1" lang="ja-JP" altLang="en-US" dirty="0"/>
           </a:p>
@@ -2356,7 +2357,7 @@
           <a:p>
             <a:fld id="{9A391B90-8A79-412C-89FE-F2A94E6B2FAF}" type="datetimeFigureOut">
               <a:rPr kumimoji="1" lang="ja-JP" altLang="en-US" smtClean="0"/>
-              <a:t>2019/9/3</a:t>
+              <a:t>2019/11/4</a:t>
             </a:fld>
             <a:endParaRPr kumimoji="1" lang="ja-JP" altLang="en-US" dirty="0"/>
           </a:p>
@@ -2609,7 +2610,7 @@
           <a:p>
             <a:fld id="{9A391B90-8A79-412C-89FE-F2A94E6B2FAF}" type="datetimeFigureOut">
               <a:rPr kumimoji="1" lang="ja-JP" altLang="en-US" smtClean="0"/>
-              <a:t>2019/9/3</a:t>
+              <a:t>2019/11/4</a:t>
             </a:fld>
             <a:endParaRPr kumimoji="1" lang="ja-JP" altLang="en-US" dirty="0"/>
           </a:p>
@@ -2854,7 +2855,7 @@
           <a:p>
             <a:fld id="{9A391B90-8A79-412C-89FE-F2A94E6B2FAF}" type="datetimeFigureOut">
               <a:rPr kumimoji="1" lang="ja-JP" altLang="en-US" smtClean="0"/>
-              <a:t>2019/9/3</a:t>
+              <a:t>2019/11/4</a:t>
             </a:fld>
             <a:endParaRPr kumimoji="1" lang="ja-JP" altLang="en-US" dirty="0"/>
           </a:p>
@@ -4752,6 +4753,1598 @@
 </file>
 
 <file path=ppt/slides/slide2.xml><?xml version="1.0" encoding="utf-8"?>
+<p:sld xmlns:a="http://schemas.openxmlformats.org/drawingml/2006/main" xmlns:r="http://schemas.openxmlformats.org/officeDocument/2006/relationships" xmlns:p="http://schemas.openxmlformats.org/presentationml/2006/main">
+  <p:cSld>
+    <p:spTree>
+      <p:nvGrpSpPr>
+        <p:cNvPr id="1" name=""/>
+        <p:cNvGrpSpPr/>
+        <p:nvPr/>
+      </p:nvGrpSpPr>
+      <p:grpSpPr>
+        <a:xfrm>
+          <a:off x="0" y="0"/>
+          <a:ext cx="0" cy="0"/>
+          <a:chOff x="0" y="0"/>
+          <a:chExt cx="0" cy="0"/>
+        </a:xfrm>
+      </p:grpSpPr>
+      <p:cxnSp>
+        <p:nvCxnSpPr>
+          <p:cNvPr id="12" name="直線コネクタ 11"/>
+          <p:cNvCxnSpPr>
+            <a:endCxn id="51" idx="1"/>
+          </p:cNvCxnSpPr>
+          <p:nvPr/>
+        </p:nvCxnSpPr>
+        <p:spPr>
+          <a:xfrm>
+            <a:off x="4502836" y="5453808"/>
+            <a:ext cx="1231359" cy="0"/>
+          </a:xfrm>
+          <a:prstGeom prst="line">
+            <a:avLst/>
+          </a:prstGeom>
+          <a:ln w="12700">
+            <a:solidFill>
+              <a:schemeClr val="tx1"/>
+            </a:solidFill>
+          </a:ln>
+        </p:spPr>
+        <p:style>
+          <a:lnRef idx="1">
+            <a:schemeClr val="dk1"/>
+          </a:lnRef>
+          <a:fillRef idx="0">
+            <a:schemeClr val="dk1"/>
+          </a:fillRef>
+          <a:effectRef idx="0">
+            <a:schemeClr val="dk1"/>
+          </a:effectRef>
+          <a:fontRef idx="minor">
+            <a:schemeClr val="tx1"/>
+          </a:fontRef>
+        </p:style>
+      </p:cxnSp>
+      <p:cxnSp>
+        <p:nvCxnSpPr>
+          <p:cNvPr id="17" name="直線コネクタ 16"/>
+          <p:cNvCxnSpPr/>
+          <p:nvPr/>
+        </p:nvCxnSpPr>
+        <p:spPr>
+          <a:xfrm>
+            <a:off x="6884004" y="1071989"/>
+            <a:ext cx="1082173" cy="0"/>
+          </a:xfrm>
+          <a:prstGeom prst="line">
+            <a:avLst/>
+          </a:prstGeom>
+          <a:ln w="12700"/>
+        </p:spPr>
+        <p:style>
+          <a:lnRef idx="1">
+            <a:schemeClr val="dk1"/>
+          </a:lnRef>
+          <a:fillRef idx="0">
+            <a:schemeClr val="dk1"/>
+          </a:fillRef>
+          <a:effectRef idx="0">
+            <a:schemeClr val="dk1"/>
+          </a:effectRef>
+          <a:fontRef idx="minor">
+            <a:schemeClr val="tx1"/>
+          </a:fontRef>
+        </p:style>
+      </p:cxnSp>
+      <p:cxnSp>
+        <p:nvCxnSpPr>
+          <p:cNvPr id="21" name="直線コネクタ 20"/>
+          <p:cNvCxnSpPr/>
+          <p:nvPr/>
+        </p:nvCxnSpPr>
+        <p:spPr>
+          <a:xfrm>
+            <a:off x="3573927" y="4228632"/>
+            <a:ext cx="0" cy="532079"/>
+          </a:xfrm>
+          <a:prstGeom prst="line">
+            <a:avLst/>
+          </a:prstGeom>
+          <a:ln w="12700"/>
+        </p:spPr>
+        <p:style>
+          <a:lnRef idx="1">
+            <a:schemeClr val="dk1"/>
+          </a:lnRef>
+          <a:fillRef idx="0">
+            <a:schemeClr val="dk1"/>
+          </a:fillRef>
+          <a:effectRef idx="0">
+            <a:schemeClr val="dk1"/>
+          </a:effectRef>
+          <a:fontRef idx="minor">
+            <a:schemeClr val="tx1"/>
+          </a:fontRef>
+        </p:style>
+      </p:cxnSp>
+      <p:sp>
+        <p:nvSpPr>
+          <p:cNvPr id="25" name="テキスト ボックス 24"/>
+          <p:cNvSpPr txBox="1"/>
+          <p:nvPr/>
+        </p:nvSpPr>
+        <p:spPr>
+          <a:xfrm>
+            <a:off x="4780086" y="5085567"/>
+            <a:ext cx="633507" cy="369332"/>
+          </a:xfrm>
+          <a:prstGeom prst="rect">
+            <a:avLst/>
+          </a:prstGeom>
+          <a:noFill/>
+        </p:spPr>
+        <p:txBody>
+          <a:bodyPr wrap="none" rtlCol="0">
+            <a:spAutoFit/>
+          </a:bodyPr>
+          <a:lstStyle/>
+          <a:p>
+            <a:r>
+              <a:rPr kumimoji="1" lang="en-US" altLang="ja-JP" dirty="0" smtClean="0">
+                <a:latin typeface="Times New Roman" panose="02020603050405020304" pitchFamily="18" charset="0"/>
+                <a:cs typeface="Times New Roman" panose="02020603050405020304" pitchFamily="18" charset="0"/>
+              </a:rPr>
+              <a:t>USB</a:t>
+            </a:r>
+            <a:endParaRPr kumimoji="1" lang="ja-JP" altLang="en-US" dirty="0">
+              <a:latin typeface="Times New Roman" panose="02020603050405020304" pitchFamily="18" charset="0"/>
+              <a:cs typeface="Times New Roman" panose="02020603050405020304" pitchFamily="18" charset="0"/>
+            </a:endParaRPr>
+          </a:p>
+        </p:txBody>
+      </p:sp>
+      <p:sp>
+        <p:nvSpPr>
+          <p:cNvPr id="28" name="テキスト ボックス 27"/>
+          <p:cNvSpPr txBox="1"/>
+          <p:nvPr/>
+        </p:nvSpPr>
+        <p:spPr>
+          <a:xfrm>
+            <a:off x="4101266" y="2768868"/>
+            <a:ext cx="799193" cy="369332"/>
+          </a:xfrm>
+          <a:prstGeom prst="rect">
+            <a:avLst/>
+          </a:prstGeom>
+          <a:noFill/>
+        </p:spPr>
+        <p:txBody>
+          <a:bodyPr wrap="none" rtlCol="0">
+            <a:spAutoFit/>
+          </a:bodyPr>
+          <a:lstStyle/>
+          <a:p>
+            <a:r>
+              <a:rPr kumimoji="1" lang="en-US" altLang="ja-JP" dirty="0" smtClean="0">
+                <a:latin typeface="Times New Roman" panose="02020603050405020304" pitchFamily="18" charset="0"/>
+                <a:cs typeface="Times New Roman" panose="02020603050405020304" pitchFamily="18" charset="0"/>
+              </a:rPr>
+              <a:t>UART</a:t>
+            </a:r>
+            <a:endParaRPr kumimoji="1" lang="ja-JP" altLang="en-US" dirty="0">
+              <a:latin typeface="Times New Roman" panose="02020603050405020304" pitchFamily="18" charset="0"/>
+              <a:cs typeface="Times New Roman" panose="02020603050405020304" pitchFamily="18" charset="0"/>
+            </a:endParaRPr>
+          </a:p>
+        </p:txBody>
+      </p:sp>
+      <p:sp>
+        <p:nvSpPr>
+          <p:cNvPr id="30" name="テキスト ボックス 29"/>
+          <p:cNvSpPr txBox="1"/>
+          <p:nvPr/>
+        </p:nvSpPr>
+        <p:spPr>
+          <a:xfrm>
+            <a:off x="7166045" y="689071"/>
+            <a:ext cx="518091" cy="369332"/>
+          </a:xfrm>
+          <a:prstGeom prst="rect">
+            <a:avLst/>
+          </a:prstGeom>
+          <a:noFill/>
+        </p:spPr>
+        <p:txBody>
+          <a:bodyPr wrap="none" rtlCol="0">
+            <a:spAutoFit/>
+          </a:bodyPr>
+          <a:lstStyle/>
+          <a:p>
+            <a:r>
+              <a:rPr kumimoji="1" lang="en-US" altLang="ja-JP" dirty="0" smtClean="0">
+                <a:latin typeface="Times New Roman" panose="02020603050405020304" pitchFamily="18" charset="0"/>
+                <a:cs typeface="Times New Roman" panose="02020603050405020304" pitchFamily="18" charset="0"/>
+              </a:rPr>
+              <a:t>SPI</a:t>
+            </a:r>
+            <a:endParaRPr kumimoji="1" lang="ja-JP" altLang="en-US" dirty="0">
+              <a:latin typeface="Times New Roman" panose="02020603050405020304" pitchFamily="18" charset="0"/>
+              <a:cs typeface="Times New Roman" panose="02020603050405020304" pitchFamily="18" charset="0"/>
+            </a:endParaRPr>
+          </a:p>
+        </p:txBody>
+      </p:sp>
+      <p:grpSp>
+        <p:nvGrpSpPr>
+          <p:cNvPr id="15" name="グループ化 14"/>
+          <p:cNvGrpSpPr/>
+          <p:nvPr/>
+        </p:nvGrpSpPr>
+        <p:grpSpPr>
+          <a:xfrm>
+            <a:off x="5106498" y="213966"/>
+            <a:ext cx="1838965" cy="1716045"/>
+            <a:chOff x="2837606" y="175695"/>
+            <a:chExt cx="1838965" cy="1716045"/>
+          </a:xfrm>
+        </p:grpSpPr>
+        <p:pic>
+          <p:nvPicPr>
+            <p:cNvPr id="6" name="図 5"/>
+            <p:cNvPicPr>
+              <a:picLocks noChangeAspect="1"/>
+            </p:cNvPicPr>
+            <p:nvPr/>
+          </p:nvPicPr>
+          <p:blipFill>
+            <a:blip r:embed="rId2" cstate="print">
+              <a:extLst>
+                <a:ext uri="{28A0092B-C50C-407E-A947-70E740481C1C}">
+                  <a14:useLocalDpi xmlns:a14="http://schemas.microsoft.com/office/drawing/2010/main" val="0"/>
+                </a:ext>
+              </a:extLst>
+            </a:blip>
+            <a:stretch>
+              <a:fillRect/>
+            </a:stretch>
+          </p:blipFill>
+          <p:spPr>
+            <a:xfrm>
+              <a:off x="2899067" y="175695"/>
+              <a:ext cx="1716045" cy="1716045"/>
+            </a:xfrm>
+            <a:prstGeom prst="rect">
+              <a:avLst/>
+            </a:prstGeom>
+            <a:ln w="12700">
+              <a:solidFill>
+                <a:schemeClr val="accent1"/>
+              </a:solidFill>
+            </a:ln>
+          </p:spPr>
+        </p:pic>
+        <p:sp>
+          <p:nvSpPr>
+            <p:cNvPr id="32" name="テキスト ボックス 31"/>
+            <p:cNvSpPr txBox="1"/>
+            <p:nvPr/>
+          </p:nvSpPr>
+          <p:spPr>
+            <a:xfrm>
+              <a:off x="2837606" y="1514919"/>
+              <a:ext cx="1838965" cy="369332"/>
+            </a:xfrm>
+            <a:prstGeom prst="rect">
+              <a:avLst/>
+            </a:prstGeom>
+            <a:noFill/>
+          </p:spPr>
+          <p:txBody>
+            <a:bodyPr wrap="none" rtlCol="0">
+              <a:spAutoFit/>
+            </a:bodyPr>
+            <a:lstStyle/>
+            <a:p>
+              <a:r>
+                <a:rPr kumimoji="1" lang="en-US" altLang="ja-JP" dirty="0" smtClean="0">
+                  <a:latin typeface="Times New Roman" panose="02020603050405020304" pitchFamily="18" charset="0"/>
+                  <a:cs typeface="Times New Roman" panose="02020603050405020304" pitchFamily="18" charset="0"/>
+                </a:rPr>
+                <a:t>Arduino</a:t>
+              </a:r>
+              <a:r>
+                <a:rPr lang="ja-JP" altLang="en-US" dirty="0">
+                  <a:latin typeface="Times New Roman" panose="02020603050405020304" pitchFamily="18" charset="0"/>
+                  <a:cs typeface="Times New Roman" panose="02020603050405020304" pitchFamily="18" charset="0"/>
+                </a:rPr>
+                <a:t> </a:t>
+              </a:r>
+              <a:r>
+                <a:rPr lang="en-US" altLang="ja-JP" dirty="0" smtClean="0">
+                  <a:latin typeface="Times New Roman" panose="02020603050405020304" pitchFamily="18" charset="0"/>
+                  <a:cs typeface="Times New Roman" panose="02020603050405020304" pitchFamily="18" charset="0"/>
+                </a:rPr>
+                <a:t>Pro Mini</a:t>
+              </a:r>
+              <a:endParaRPr kumimoji="1" lang="ja-JP" altLang="en-US" dirty="0">
+                <a:latin typeface="Times New Roman" panose="02020603050405020304" pitchFamily="18" charset="0"/>
+                <a:cs typeface="Times New Roman" panose="02020603050405020304" pitchFamily="18" charset="0"/>
+              </a:endParaRPr>
+            </a:p>
+          </p:txBody>
+        </p:sp>
+      </p:grpSp>
+      <p:grpSp>
+        <p:nvGrpSpPr>
+          <p:cNvPr id="42" name="グループ化 41"/>
+          <p:cNvGrpSpPr/>
+          <p:nvPr/>
+        </p:nvGrpSpPr>
+        <p:grpSpPr>
+          <a:xfrm>
+            <a:off x="2080242" y="2131749"/>
+            <a:ext cx="2041832" cy="2090119"/>
+            <a:chOff x="4507249" y="2370126"/>
+            <a:chExt cx="2041832" cy="2090119"/>
+          </a:xfrm>
+        </p:grpSpPr>
+        <p:pic>
+          <p:nvPicPr>
+            <p:cNvPr id="9" name="図 8"/>
+            <p:cNvPicPr>
+              <a:picLocks noChangeAspect="1"/>
+            </p:cNvPicPr>
+            <p:nvPr/>
+          </p:nvPicPr>
+          <p:blipFill>
+            <a:blip r:embed="rId3" cstate="print">
+              <a:extLst>
+                <a:ext uri="{28A0092B-C50C-407E-A947-70E740481C1C}">
+                  <a14:useLocalDpi xmlns:a14="http://schemas.microsoft.com/office/drawing/2010/main" val="0"/>
+                </a:ext>
+              </a:extLst>
+            </a:blip>
+            <a:stretch>
+              <a:fillRect/>
+            </a:stretch>
+          </p:blipFill>
+          <p:spPr>
+            <a:xfrm>
+              <a:off x="4553651" y="2370126"/>
+              <a:ext cx="1931773" cy="1931773"/>
+            </a:xfrm>
+            <a:prstGeom prst="rect">
+              <a:avLst/>
+            </a:prstGeom>
+            <a:ln w="12700">
+              <a:noFill/>
+            </a:ln>
+          </p:spPr>
+        </p:pic>
+        <p:sp>
+          <p:nvSpPr>
+            <p:cNvPr id="34" name="テキスト ボックス 33"/>
+            <p:cNvSpPr txBox="1"/>
+            <p:nvPr/>
+          </p:nvSpPr>
+          <p:spPr>
+            <a:xfrm>
+              <a:off x="5059724" y="4082613"/>
+              <a:ext cx="1014124" cy="369332"/>
+            </a:xfrm>
+            <a:prstGeom prst="rect">
+              <a:avLst/>
+            </a:prstGeom>
+            <a:noFill/>
+          </p:spPr>
+          <p:txBody>
+            <a:bodyPr wrap="none" rtlCol="0">
+              <a:spAutoFit/>
+            </a:bodyPr>
+            <a:lstStyle/>
+            <a:p>
+              <a:r>
+                <a:rPr kumimoji="1" lang="en-US" altLang="ja-JP" dirty="0" smtClean="0">
+                  <a:latin typeface="Times New Roman" panose="02020603050405020304" pitchFamily="18" charset="0"/>
+                  <a:cs typeface="Times New Roman" panose="02020603050405020304" pitchFamily="18" charset="0"/>
+                </a:rPr>
+                <a:t>NAVIO2</a:t>
+              </a:r>
+              <a:endParaRPr kumimoji="1" lang="ja-JP" altLang="en-US" dirty="0">
+                <a:latin typeface="Times New Roman" panose="02020603050405020304" pitchFamily="18" charset="0"/>
+                <a:cs typeface="Times New Roman" panose="02020603050405020304" pitchFamily="18" charset="0"/>
+              </a:endParaRPr>
+            </a:p>
+          </p:txBody>
+        </p:sp>
+        <p:sp>
+          <p:nvSpPr>
+            <p:cNvPr id="40" name="正方形/長方形 39"/>
+            <p:cNvSpPr/>
+            <p:nvPr/>
+          </p:nvSpPr>
+          <p:spPr>
+            <a:xfrm>
+              <a:off x="4507249" y="2385148"/>
+              <a:ext cx="2041832" cy="2075097"/>
+            </a:xfrm>
+            <a:prstGeom prst="rect">
+              <a:avLst/>
+            </a:prstGeom>
+            <a:noFill/>
+            <a:ln w="12700">
+              <a:solidFill>
+                <a:schemeClr val="accent1"/>
+              </a:solidFill>
+            </a:ln>
+          </p:spPr>
+          <p:style>
+            <a:lnRef idx="2">
+              <a:schemeClr val="accent1">
+                <a:shade val="50000"/>
+              </a:schemeClr>
+            </a:lnRef>
+            <a:fillRef idx="1">
+              <a:schemeClr val="accent1"/>
+            </a:fillRef>
+            <a:effectRef idx="0">
+              <a:schemeClr val="accent1"/>
+            </a:effectRef>
+            <a:fontRef idx="minor">
+              <a:schemeClr val="lt1"/>
+            </a:fontRef>
+          </p:style>
+          <p:txBody>
+            <a:bodyPr rtlCol="0" anchor="ctr"/>
+            <a:lstStyle/>
+            <a:p>
+              <a:pPr algn="ctr"/>
+              <a:endParaRPr kumimoji="1" lang="ja-JP" altLang="en-US"/>
+            </a:p>
+          </p:txBody>
+        </p:sp>
+      </p:grpSp>
+      <p:grpSp>
+        <p:nvGrpSpPr>
+          <p:cNvPr id="5" name="グループ化 4"/>
+          <p:cNvGrpSpPr/>
+          <p:nvPr/>
+        </p:nvGrpSpPr>
+        <p:grpSpPr>
+          <a:xfrm>
+            <a:off x="7925142" y="150700"/>
+            <a:ext cx="1935145" cy="2280487"/>
+            <a:chOff x="5431134" y="107180"/>
+            <a:chExt cx="1935145" cy="2280487"/>
+          </a:xfrm>
+        </p:grpSpPr>
+        <p:pic>
+          <p:nvPicPr>
+            <p:cNvPr id="8" name="図 7"/>
+            <p:cNvPicPr>
+              <a:picLocks noChangeAspect="1"/>
+            </p:cNvPicPr>
+            <p:nvPr/>
+          </p:nvPicPr>
+          <p:blipFill>
+            <a:blip r:embed="rId4" cstate="print">
+              <a:extLst>
+                <a:ext uri="{28A0092B-C50C-407E-A947-70E740481C1C}">
+                  <a14:useLocalDpi xmlns:a14="http://schemas.microsoft.com/office/drawing/2010/main" val="0"/>
+                </a:ext>
+              </a:extLst>
+            </a:blip>
+            <a:stretch>
+              <a:fillRect/>
+            </a:stretch>
+          </p:blipFill>
+          <p:spPr>
+            <a:xfrm>
+              <a:off x="5472169" y="107180"/>
+              <a:ext cx="1853074" cy="1853074"/>
+            </a:xfrm>
+            <a:prstGeom prst="rect">
+              <a:avLst/>
+            </a:prstGeom>
+            <a:ln w="12700">
+              <a:solidFill>
+                <a:schemeClr val="accent1"/>
+              </a:solidFill>
+            </a:ln>
+          </p:spPr>
+        </p:pic>
+        <p:sp>
+          <p:nvSpPr>
+            <p:cNvPr id="31" name="テキスト ボックス 30"/>
+            <p:cNvSpPr txBox="1"/>
+            <p:nvPr/>
+          </p:nvSpPr>
+          <p:spPr>
+            <a:xfrm>
+              <a:off x="5780588" y="1604516"/>
+              <a:ext cx="1236236" cy="369332"/>
+            </a:xfrm>
+            <a:prstGeom prst="rect">
+              <a:avLst/>
+            </a:prstGeom>
+            <a:noFill/>
+          </p:spPr>
+          <p:txBody>
+            <a:bodyPr wrap="none" rtlCol="0">
+              <a:spAutoFit/>
+            </a:bodyPr>
+            <a:lstStyle/>
+            <a:p>
+              <a:r>
+                <a:rPr kumimoji="1" lang="en-US" altLang="ja-JP" dirty="0" smtClean="0">
+                  <a:latin typeface="Times New Roman" panose="02020603050405020304" pitchFamily="18" charset="0"/>
+                  <a:cs typeface="Times New Roman" panose="02020603050405020304" pitchFamily="18" charset="0"/>
+                </a:rPr>
+                <a:t>DWM1000</a:t>
+              </a:r>
+              <a:endParaRPr kumimoji="1" lang="ja-JP" altLang="en-US" dirty="0">
+                <a:latin typeface="Times New Roman" panose="02020603050405020304" pitchFamily="18" charset="0"/>
+                <a:cs typeface="Times New Roman" panose="02020603050405020304" pitchFamily="18" charset="0"/>
+              </a:endParaRPr>
+            </a:p>
+          </p:txBody>
+        </p:sp>
+        <p:sp>
+          <p:nvSpPr>
+            <p:cNvPr id="2" name="テキスト ボックス 1"/>
+            <p:cNvSpPr txBox="1"/>
+            <p:nvPr/>
+          </p:nvSpPr>
+          <p:spPr>
+            <a:xfrm>
+              <a:off x="5431134" y="1926002"/>
+              <a:ext cx="1935145" cy="461665"/>
+            </a:xfrm>
+            <a:prstGeom prst="rect">
+              <a:avLst/>
+            </a:prstGeom>
+            <a:noFill/>
+          </p:spPr>
+          <p:txBody>
+            <a:bodyPr wrap="none" rtlCol="0">
+              <a:spAutoFit/>
+            </a:bodyPr>
+            <a:lstStyle/>
+            <a:p>
+              <a:r>
+                <a:rPr kumimoji="1" lang="en-US" altLang="ja-JP" sz="2400" dirty="0" smtClean="0">
+                  <a:solidFill>
+                    <a:schemeClr val="accent5"/>
+                  </a:solidFill>
+                  <a:latin typeface="Times New Roman" panose="02020603050405020304" pitchFamily="18" charset="0"/>
+                  <a:cs typeface="Times New Roman" panose="02020603050405020304" pitchFamily="18" charset="0"/>
+                </a:rPr>
+                <a:t>UWB antenna</a:t>
+              </a:r>
+              <a:endParaRPr kumimoji="1" lang="ja-JP" altLang="en-US" sz="2400" dirty="0">
+                <a:solidFill>
+                  <a:schemeClr val="accent5"/>
+                </a:solidFill>
+                <a:latin typeface="Times New Roman" panose="02020603050405020304" pitchFamily="18" charset="0"/>
+                <a:cs typeface="Times New Roman" panose="02020603050405020304" pitchFamily="18" charset="0"/>
+              </a:endParaRPr>
+            </a:p>
+          </p:txBody>
+        </p:sp>
+      </p:grpSp>
+      <p:sp>
+        <p:nvSpPr>
+          <p:cNvPr id="3" name="テキスト ボックス 2"/>
+          <p:cNvSpPr txBox="1"/>
+          <p:nvPr/>
+        </p:nvSpPr>
+        <p:spPr>
+          <a:xfrm>
+            <a:off x="2981295" y="1468346"/>
+            <a:ext cx="2198743" cy="461665"/>
+          </a:xfrm>
+          <a:prstGeom prst="rect">
+            <a:avLst/>
+          </a:prstGeom>
+          <a:noFill/>
+        </p:spPr>
+        <p:txBody>
+          <a:bodyPr wrap="none" rtlCol="0">
+            <a:spAutoFit/>
+          </a:bodyPr>
+          <a:lstStyle/>
+          <a:p>
+            <a:r>
+              <a:rPr kumimoji="1" lang="en-US" altLang="ja-JP" sz="2400" dirty="0" smtClean="0">
+                <a:solidFill>
+                  <a:schemeClr val="accent5"/>
+                </a:solidFill>
+                <a:latin typeface="Times New Roman" panose="02020603050405020304" pitchFamily="18" charset="0"/>
+                <a:cs typeface="Times New Roman" panose="02020603050405020304" pitchFamily="18" charset="0"/>
+              </a:rPr>
+              <a:t>Micro controller</a:t>
+            </a:r>
+            <a:endParaRPr kumimoji="1" lang="ja-JP" altLang="en-US" sz="2400" dirty="0">
+              <a:solidFill>
+                <a:schemeClr val="accent5"/>
+              </a:solidFill>
+              <a:latin typeface="Times New Roman" panose="02020603050405020304" pitchFamily="18" charset="0"/>
+              <a:cs typeface="Times New Roman" panose="02020603050405020304" pitchFamily="18" charset="0"/>
+            </a:endParaRPr>
+          </a:p>
+        </p:txBody>
+      </p:sp>
+      <p:sp>
+        <p:nvSpPr>
+          <p:cNvPr id="7" name="テキスト ボックス 6"/>
+          <p:cNvSpPr txBox="1"/>
+          <p:nvPr/>
+        </p:nvSpPr>
+        <p:spPr>
+          <a:xfrm>
+            <a:off x="7974669" y="4232613"/>
+            <a:ext cx="2124299" cy="830997"/>
+          </a:xfrm>
+          <a:prstGeom prst="rect">
+            <a:avLst/>
+          </a:prstGeom>
+          <a:noFill/>
+        </p:spPr>
+        <p:txBody>
+          <a:bodyPr wrap="none" rtlCol="0">
+            <a:spAutoFit/>
+          </a:bodyPr>
+          <a:lstStyle/>
+          <a:p>
+            <a:r>
+              <a:rPr kumimoji="1" lang="en-US" altLang="ja-JP" sz="2400" dirty="0" smtClean="0">
+                <a:solidFill>
+                  <a:schemeClr val="accent5"/>
+                </a:solidFill>
+                <a:latin typeface="Times New Roman" panose="02020603050405020304" pitchFamily="18" charset="0"/>
+                <a:cs typeface="Times New Roman" panose="02020603050405020304" pitchFamily="18" charset="0"/>
+              </a:rPr>
+              <a:t>Optical flow</a:t>
+            </a:r>
+          </a:p>
+          <a:p>
+            <a:r>
+              <a:rPr kumimoji="1" lang="en-US" altLang="ja-JP" sz="2400" dirty="0" smtClean="0">
+                <a:solidFill>
+                  <a:schemeClr val="accent5"/>
+                </a:solidFill>
+                <a:latin typeface="Times New Roman" panose="02020603050405020304" pitchFamily="18" charset="0"/>
+                <a:cs typeface="Times New Roman" panose="02020603050405020304" pitchFamily="18" charset="0"/>
+              </a:rPr>
+              <a:t>Distance sensor</a:t>
+            </a:r>
+          </a:p>
+        </p:txBody>
+      </p:sp>
+      <p:grpSp>
+        <p:nvGrpSpPr>
+          <p:cNvPr id="24" name="グループ化 23"/>
+          <p:cNvGrpSpPr/>
+          <p:nvPr/>
+        </p:nvGrpSpPr>
+        <p:grpSpPr>
+          <a:xfrm>
+            <a:off x="5453412" y="4630362"/>
+            <a:ext cx="2195986" cy="2192308"/>
+            <a:chOff x="7169457" y="4409227"/>
+            <a:chExt cx="2195986" cy="2192308"/>
+          </a:xfrm>
+        </p:grpSpPr>
+        <p:pic>
+          <p:nvPicPr>
+            <p:cNvPr id="10" name="図 9"/>
+            <p:cNvPicPr>
+              <a:picLocks noChangeAspect="1"/>
+            </p:cNvPicPr>
+            <p:nvPr/>
+          </p:nvPicPr>
+          <p:blipFill>
+            <a:blip r:embed="rId5" cstate="print">
+              <a:extLst>
+                <a:ext uri="{28A0092B-C50C-407E-A947-70E740481C1C}">
+                  <a14:useLocalDpi xmlns:a14="http://schemas.microsoft.com/office/drawing/2010/main" val="0"/>
+                </a:ext>
+              </a:extLst>
+            </a:blip>
+            <a:stretch>
+              <a:fillRect/>
+            </a:stretch>
+          </p:blipFill>
+          <p:spPr>
+            <a:xfrm>
+              <a:off x="7440027" y="4409227"/>
+              <a:ext cx="1430830" cy="1430830"/>
+            </a:xfrm>
+            <a:prstGeom prst="rect">
+              <a:avLst/>
+            </a:prstGeom>
+            <a:ln w="12700">
+              <a:noFill/>
+            </a:ln>
+          </p:spPr>
+        </p:pic>
+        <p:sp>
+          <p:nvSpPr>
+            <p:cNvPr id="36" name="テキスト ボックス 35"/>
+            <p:cNvSpPr txBox="1"/>
+            <p:nvPr/>
+          </p:nvSpPr>
+          <p:spPr>
+            <a:xfrm>
+              <a:off x="7682073" y="5840057"/>
+              <a:ext cx="954107" cy="369332"/>
+            </a:xfrm>
+            <a:prstGeom prst="rect">
+              <a:avLst/>
+            </a:prstGeom>
+            <a:noFill/>
+          </p:spPr>
+          <p:txBody>
+            <a:bodyPr wrap="none" rtlCol="0">
+              <a:spAutoFit/>
+            </a:bodyPr>
+            <a:lstStyle/>
+            <a:p>
+              <a:r>
+                <a:rPr lang="en-US" altLang="ja-JP" dirty="0" err="1" smtClean="0">
+                  <a:latin typeface="Times New Roman" panose="02020603050405020304" pitchFamily="18" charset="0"/>
+                  <a:cs typeface="Times New Roman" panose="02020603050405020304" pitchFamily="18" charset="0"/>
+                </a:rPr>
+                <a:t>Pixracer</a:t>
+              </a:r>
+              <a:endParaRPr kumimoji="1" lang="ja-JP" altLang="en-US" dirty="0">
+                <a:latin typeface="Times New Roman" panose="02020603050405020304" pitchFamily="18" charset="0"/>
+                <a:cs typeface="Times New Roman" panose="02020603050405020304" pitchFamily="18" charset="0"/>
+              </a:endParaRPr>
+            </a:p>
+          </p:txBody>
+        </p:sp>
+        <p:sp>
+          <p:nvSpPr>
+            <p:cNvPr id="51" name="正方形/長方形 50"/>
+            <p:cNvSpPr/>
+            <p:nvPr/>
+          </p:nvSpPr>
+          <p:spPr>
+            <a:xfrm>
+              <a:off x="7450240" y="4409227"/>
+              <a:ext cx="1420618" cy="1800162"/>
+            </a:xfrm>
+            <a:prstGeom prst="rect">
+              <a:avLst/>
+            </a:prstGeom>
+            <a:noFill/>
+            <a:ln>
+              <a:solidFill>
+                <a:schemeClr val="accent1"/>
+              </a:solidFill>
+            </a:ln>
+          </p:spPr>
+          <p:style>
+            <a:lnRef idx="2">
+              <a:schemeClr val="accent1">
+                <a:shade val="50000"/>
+              </a:schemeClr>
+            </a:lnRef>
+            <a:fillRef idx="1">
+              <a:schemeClr val="accent1"/>
+            </a:fillRef>
+            <a:effectRef idx="0">
+              <a:schemeClr val="accent1"/>
+            </a:effectRef>
+            <a:fontRef idx="minor">
+              <a:schemeClr val="lt1"/>
+            </a:fontRef>
+          </p:style>
+          <p:txBody>
+            <a:bodyPr rtlCol="0" anchor="ctr"/>
+            <a:lstStyle/>
+            <a:p>
+              <a:pPr algn="ctr"/>
+              <a:endParaRPr kumimoji="1" lang="ja-JP" altLang="en-US"/>
+            </a:p>
+          </p:txBody>
+        </p:sp>
+        <p:sp>
+          <p:nvSpPr>
+            <p:cNvPr id="11" name="テキスト ボックス 10"/>
+            <p:cNvSpPr txBox="1"/>
+            <p:nvPr/>
+          </p:nvSpPr>
+          <p:spPr>
+            <a:xfrm>
+              <a:off x="7169457" y="6139870"/>
+              <a:ext cx="2195986" cy="461665"/>
+            </a:xfrm>
+            <a:prstGeom prst="rect">
+              <a:avLst/>
+            </a:prstGeom>
+            <a:noFill/>
+          </p:spPr>
+          <p:txBody>
+            <a:bodyPr wrap="none" rtlCol="0">
+              <a:spAutoFit/>
+            </a:bodyPr>
+            <a:lstStyle/>
+            <a:p>
+              <a:r>
+                <a:rPr kumimoji="1" lang="en-US" altLang="ja-JP" sz="2400" dirty="0" smtClean="0">
+                  <a:solidFill>
+                    <a:schemeClr val="accent5"/>
+                  </a:solidFill>
+                  <a:latin typeface="Times New Roman" panose="02020603050405020304" pitchFamily="18" charset="0"/>
+                  <a:cs typeface="Times New Roman" panose="02020603050405020304" pitchFamily="18" charset="0"/>
+                </a:rPr>
+                <a:t>Fright controller</a:t>
+              </a:r>
+              <a:endParaRPr kumimoji="1" lang="ja-JP" altLang="en-US" sz="2400" dirty="0">
+                <a:solidFill>
+                  <a:schemeClr val="accent5"/>
+                </a:solidFill>
+                <a:latin typeface="Times New Roman" panose="02020603050405020304" pitchFamily="18" charset="0"/>
+                <a:cs typeface="Times New Roman" panose="02020603050405020304" pitchFamily="18" charset="0"/>
+              </a:endParaRPr>
+            </a:p>
+          </p:txBody>
+        </p:sp>
+      </p:grpSp>
+      <p:grpSp>
+        <p:nvGrpSpPr>
+          <p:cNvPr id="23" name="グループ化 22"/>
+          <p:cNvGrpSpPr/>
+          <p:nvPr/>
+        </p:nvGrpSpPr>
+        <p:grpSpPr>
+          <a:xfrm>
+            <a:off x="2553101" y="4767477"/>
+            <a:ext cx="2071401" cy="1882276"/>
+            <a:chOff x="4553651" y="4719259"/>
+            <a:chExt cx="2071401" cy="1882276"/>
+          </a:xfrm>
+        </p:grpSpPr>
+        <p:pic>
+          <p:nvPicPr>
+            <p:cNvPr id="4" name="図 3"/>
+            <p:cNvPicPr>
+              <a:picLocks noChangeAspect="1"/>
+            </p:cNvPicPr>
+            <p:nvPr/>
+          </p:nvPicPr>
+          <p:blipFill>
+            <a:blip r:embed="rId6" cstate="print">
+              <a:extLst>
+                <a:ext uri="{28A0092B-C50C-407E-A947-70E740481C1C}">
+                  <a14:useLocalDpi xmlns:a14="http://schemas.microsoft.com/office/drawing/2010/main" val="0"/>
+                </a:ext>
+              </a:extLst>
+            </a:blip>
+            <a:stretch>
+              <a:fillRect/>
+            </a:stretch>
+          </p:blipFill>
+          <p:spPr>
+            <a:xfrm>
+              <a:off x="4683996" y="4727559"/>
+              <a:ext cx="1787456" cy="1150723"/>
+            </a:xfrm>
+            <a:prstGeom prst="rect">
+              <a:avLst/>
+            </a:prstGeom>
+            <a:ln w="12700">
+              <a:noFill/>
+            </a:ln>
+          </p:spPr>
+        </p:pic>
+        <p:sp>
+          <p:nvSpPr>
+            <p:cNvPr id="35" name="テキスト ボックス 34"/>
+            <p:cNvSpPr txBox="1"/>
+            <p:nvPr/>
+          </p:nvSpPr>
+          <p:spPr>
+            <a:xfrm>
+              <a:off x="4885868" y="5851791"/>
+              <a:ext cx="1383712" cy="369332"/>
+            </a:xfrm>
+            <a:prstGeom prst="rect">
+              <a:avLst/>
+            </a:prstGeom>
+            <a:noFill/>
+          </p:spPr>
+          <p:txBody>
+            <a:bodyPr wrap="none" rtlCol="0">
+              <a:spAutoFit/>
+            </a:bodyPr>
+            <a:lstStyle/>
+            <a:p>
+              <a:r>
+                <a:rPr kumimoji="1" lang="en-US" altLang="ja-JP" dirty="0" smtClean="0">
+                  <a:latin typeface="Times New Roman" panose="02020603050405020304" pitchFamily="18" charset="0"/>
+                  <a:cs typeface="Times New Roman" panose="02020603050405020304" pitchFamily="18" charset="0"/>
+                </a:rPr>
+                <a:t>Raspberry Pi</a:t>
+              </a:r>
+              <a:endParaRPr kumimoji="1" lang="ja-JP" altLang="en-US" dirty="0">
+                <a:latin typeface="Times New Roman" panose="02020603050405020304" pitchFamily="18" charset="0"/>
+                <a:cs typeface="Times New Roman" panose="02020603050405020304" pitchFamily="18" charset="0"/>
+              </a:endParaRPr>
+            </a:p>
+          </p:txBody>
+        </p:sp>
+        <p:sp>
+          <p:nvSpPr>
+            <p:cNvPr id="47" name="正方形/長方形 46"/>
+            <p:cNvSpPr/>
+            <p:nvPr/>
+          </p:nvSpPr>
+          <p:spPr>
+            <a:xfrm>
+              <a:off x="4647542" y="4719259"/>
+              <a:ext cx="1853871" cy="1501682"/>
+            </a:xfrm>
+            <a:prstGeom prst="rect">
+              <a:avLst/>
+            </a:prstGeom>
+            <a:noFill/>
+            <a:ln>
+              <a:solidFill>
+                <a:schemeClr val="accent1"/>
+              </a:solidFill>
+            </a:ln>
+          </p:spPr>
+          <p:style>
+            <a:lnRef idx="2">
+              <a:schemeClr val="accent1">
+                <a:shade val="50000"/>
+              </a:schemeClr>
+            </a:lnRef>
+            <a:fillRef idx="1">
+              <a:schemeClr val="accent1"/>
+            </a:fillRef>
+            <a:effectRef idx="0">
+              <a:schemeClr val="accent1"/>
+            </a:effectRef>
+            <a:fontRef idx="minor">
+              <a:schemeClr val="lt1"/>
+            </a:fontRef>
+          </p:style>
+          <p:txBody>
+            <a:bodyPr rtlCol="0" anchor="ctr"/>
+            <a:lstStyle/>
+            <a:p>
+              <a:pPr algn="ctr"/>
+              <a:endParaRPr kumimoji="1" lang="ja-JP" altLang="en-US" dirty="0"/>
+            </a:p>
+          </p:txBody>
+        </p:sp>
+        <p:sp>
+          <p:nvSpPr>
+            <p:cNvPr id="20" name="テキスト ボックス 19"/>
+            <p:cNvSpPr txBox="1"/>
+            <p:nvPr/>
+          </p:nvSpPr>
+          <p:spPr>
+            <a:xfrm>
+              <a:off x="4553651" y="6139870"/>
+              <a:ext cx="2071401" cy="461665"/>
+            </a:xfrm>
+            <a:prstGeom prst="rect">
+              <a:avLst/>
+            </a:prstGeom>
+            <a:noFill/>
+          </p:spPr>
+          <p:txBody>
+            <a:bodyPr wrap="none" rtlCol="0">
+              <a:spAutoFit/>
+            </a:bodyPr>
+            <a:lstStyle/>
+            <a:p>
+              <a:r>
+                <a:rPr kumimoji="1" lang="en-US" altLang="ja-JP" sz="2400" dirty="0" smtClean="0">
+                  <a:solidFill>
+                    <a:schemeClr val="accent5"/>
+                  </a:solidFill>
+                  <a:latin typeface="Times New Roman" panose="02020603050405020304" pitchFamily="18" charset="0"/>
+                  <a:cs typeface="Times New Roman" panose="02020603050405020304" pitchFamily="18" charset="0"/>
+                </a:rPr>
+                <a:t>Main computer</a:t>
+              </a:r>
+              <a:endParaRPr kumimoji="1" lang="ja-JP" altLang="en-US" sz="2400" dirty="0">
+                <a:solidFill>
+                  <a:schemeClr val="accent5"/>
+                </a:solidFill>
+                <a:latin typeface="Times New Roman" panose="02020603050405020304" pitchFamily="18" charset="0"/>
+                <a:cs typeface="Times New Roman" panose="02020603050405020304" pitchFamily="18" charset="0"/>
+              </a:endParaRPr>
+            </a:p>
+          </p:txBody>
+        </p:sp>
+      </p:grpSp>
+      <p:sp>
+        <p:nvSpPr>
+          <p:cNvPr id="22" name="テキスト ボックス 21"/>
+          <p:cNvSpPr txBox="1"/>
+          <p:nvPr/>
+        </p:nvSpPr>
+        <p:spPr>
+          <a:xfrm>
+            <a:off x="1323820" y="4207795"/>
+            <a:ext cx="1836337" cy="461665"/>
+          </a:xfrm>
+          <a:prstGeom prst="rect">
+            <a:avLst/>
+          </a:prstGeom>
+          <a:noFill/>
+        </p:spPr>
+        <p:txBody>
+          <a:bodyPr wrap="none" rtlCol="0">
+            <a:spAutoFit/>
+          </a:bodyPr>
+          <a:lstStyle/>
+          <a:p>
+            <a:r>
+              <a:rPr kumimoji="1" lang="en-US" altLang="ja-JP" sz="2400" dirty="0" smtClean="0">
+                <a:solidFill>
+                  <a:schemeClr val="accent5"/>
+                </a:solidFill>
+                <a:latin typeface="Times New Roman" panose="02020603050405020304" pitchFamily="18" charset="0"/>
+                <a:cs typeface="Times New Roman" panose="02020603050405020304" pitchFamily="18" charset="0"/>
+              </a:rPr>
+              <a:t>Sensor board</a:t>
+            </a:r>
+            <a:endParaRPr kumimoji="1" lang="ja-JP" altLang="en-US" sz="2400" dirty="0">
+              <a:solidFill>
+                <a:schemeClr val="accent5"/>
+              </a:solidFill>
+              <a:latin typeface="Times New Roman" panose="02020603050405020304" pitchFamily="18" charset="0"/>
+              <a:cs typeface="Times New Roman" panose="02020603050405020304" pitchFamily="18" charset="0"/>
+            </a:endParaRPr>
+          </a:p>
+        </p:txBody>
+      </p:sp>
+      <p:grpSp>
+        <p:nvGrpSpPr>
+          <p:cNvPr id="29" name="グループ化 28"/>
+          <p:cNvGrpSpPr/>
+          <p:nvPr/>
+        </p:nvGrpSpPr>
+        <p:grpSpPr>
+          <a:xfrm>
+            <a:off x="7929851" y="2567431"/>
+            <a:ext cx="2210784" cy="1729835"/>
+            <a:chOff x="9104602" y="2568911"/>
+            <a:chExt cx="2210784" cy="1729835"/>
+          </a:xfrm>
+        </p:grpSpPr>
+        <p:pic>
+          <p:nvPicPr>
+            <p:cNvPr id="13" name="図 12"/>
+            <p:cNvPicPr>
+              <a:picLocks noChangeAspect="1"/>
+            </p:cNvPicPr>
+            <p:nvPr/>
+          </p:nvPicPr>
+          <p:blipFill>
+            <a:blip r:embed="rId7">
+              <a:extLst>
+                <a:ext uri="{28A0092B-C50C-407E-A947-70E740481C1C}">
+                  <a14:useLocalDpi xmlns:a14="http://schemas.microsoft.com/office/drawing/2010/main" val="0"/>
+                </a:ext>
+              </a:extLst>
+            </a:blip>
+            <a:stretch>
+              <a:fillRect/>
+            </a:stretch>
+          </p:blipFill>
+          <p:spPr>
+            <a:xfrm>
+              <a:off x="9215313" y="2568911"/>
+              <a:ext cx="2027757" cy="1360503"/>
+            </a:xfrm>
+            <a:prstGeom prst="rect">
+              <a:avLst/>
+            </a:prstGeom>
+            <a:ln w="12700">
+              <a:noFill/>
+            </a:ln>
+          </p:spPr>
+        </p:pic>
+        <p:sp>
+          <p:nvSpPr>
+            <p:cNvPr id="37" name="テキスト ボックス 36"/>
+            <p:cNvSpPr txBox="1"/>
+            <p:nvPr/>
+          </p:nvSpPr>
+          <p:spPr>
+            <a:xfrm>
+              <a:off x="9142996" y="3929414"/>
+              <a:ext cx="2172390" cy="369332"/>
+            </a:xfrm>
+            <a:prstGeom prst="rect">
+              <a:avLst/>
+            </a:prstGeom>
+            <a:noFill/>
+          </p:spPr>
+          <p:txBody>
+            <a:bodyPr wrap="none" rtlCol="0">
+              <a:spAutoFit/>
+            </a:bodyPr>
+            <a:lstStyle/>
+            <a:p>
+              <a:r>
+                <a:rPr lang="en-US" altLang="ja-JP" dirty="0" smtClean="0">
+                  <a:latin typeface="Times New Roman" panose="02020603050405020304" pitchFamily="18" charset="0"/>
+                  <a:cs typeface="Times New Roman" panose="02020603050405020304" pitchFamily="18" charset="0"/>
+                </a:rPr>
+                <a:t>PMW3901/VL53L0x</a:t>
+              </a:r>
+              <a:endParaRPr kumimoji="1" lang="ja-JP" altLang="en-US" dirty="0">
+                <a:latin typeface="Times New Roman" panose="02020603050405020304" pitchFamily="18" charset="0"/>
+                <a:cs typeface="Times New Roman" panose="02020603050405020304" pitchFamily="18" charset="0"/>
+              </a:endParaRPr>
+            </a:p>
+          </p:txBody>
+        </p:sp>
+        <p:sp>
+          <p:nvSpPr>
+            <p:cNvPr id="16" name="正方形/長方形 15"/>
+            <p:cNvSpPr/>
+            <p:nvPr/>
+          </p:nvSpPr>
+          <p:spPr>
+            <a:xfrm>
+              <a:off x="9104602" y="2568911"/>
+              <a:ext cx="2210784" cy="1729835"/>
+            </a:xfrm>
+            <a:prstGeom prst="rect">
+              <a:avLst/>
+            </a:prstGeom>
+            <a:noFill/>
+            <a:ln w="12700">
+              <a:solidFill>
+                <a:schemeClr val="accent1"/>
+              </a:solidFill>
+            </a:ln>
+          </p:spPr>
+          <p:style>
+            <a:lnRef idx="2">
+              <a:schemeClr val="accent1">
+                <a:shade val="50000"/>
+              </a:schemeClr>
+            </a:lnRef>
+            <a:fillRef idx="1">
+              <a:schemeClr val="accent1"/>
+            </a:fillRef>
+            <a:effectRef idx="0">
+              <a:schemeClr val="accent1"/>
+            </a:effectRef>
+            <a:fontRef idx="minor">
+              <a:schemeClr val="lt1"/>
+            </a:fontRef>
+          </p:style>
+          <p:txBody>
+            <a:bodyPr rtlCol="0" anchor="ctr"/>
+            <a:lstStyle/>
+            <a:p>
+              <a:pPr algn="ctr"/>
+              <a:endParaRPr kumimoji="1" lang="ja-JP" altLang="en-US"/>
+            </a:p>
+          </p:txBody>
+        </p:sp>
+      </p:grpSp>
+      <p:cxnSp>
+        <p:nvCxnSpPr>
+          <p:cNvPr id="44" name="直線コネクタ 43"/>
+          <p:cNvCxnSpPr/>
+          <p:nvPr/>
+        </p:nvCxnSpPr>
+        <p:spPr>
+          <a:xfrm flipV="1">
+            <a:off x="7108731" y="2985801"/>
+            <a:ext cx="825065" cy="0"/>
+          </a:xfrm>
+          <a:prstGeom prst="line">
+            <a:avLst/>
+          </a:prstGeom>
+          <a:ln w="12700"/>
+        </p:spPr>
+        <p:style>
+          <a:lnRef idx="1">
+            <a:schemeClr val="dk1"/>
+          </a:lnRef>
+          <a:fillRef idx="0">
+            <a:schemeClr val="dk1"/>
+          </a:fillRef>
+          <a:effectRef idx="0">
+            <a:schemeClr val="dk1"/>
+          </a:effectRef>
+          <a:fontRef idx="minor">
+            <a:schemeClr val="tx1"/>
+          </a:fontRef>
+        </p:style>
+      </p:cxnSp>
+      <p:sp>
+        <p:nvSpPr>
+          <p:cNvPr id="45" name="テキスト ボックス 44"/>
+          <p:cNvSpPr txBox="1"/>
+          <p:nvPr/>
+        </p:nvSpPr>
+        <p:spPr>
+          <a:xfrm>
+            <a:off x="7262218" y="2639223"/>
+            <a:ext cx="518091" cy="369332"/>
+          </a:xfrm>
+          <a:prstGeom prst="rect">
+            <a:avLst/>
+          </a:prstGeom>
+          <a:noFill/>
+        </p:spPr>
+        <p:txBody>
+          <a:bodyPr wrap="none" rtlCol="0">
+            <a:spAutoFit/>
+          </a:bodyPr>
+          <a:lstStyle/>
+          <a:p>
+            <a:r>
+              <a:rPr kumimoji="1" lang="en-US" altLang="ja-JP" dirty="0" smtClean="0">
+                <a:latin typeface="Times New Roman" panose="02020603050405020304" pitchFamily="18" charset="0"/>
+                <a:cs typeface="Times New Roman" panose="02020603050405020304" pitchFamily="18" charset="0"/>
+              </a:rPr>
+              <a:t>SPI</a:t>
+            </a:r>
+            <a:endParaRPr kumimoji="1" lang="ja-JP" altLang="en-US" dirty="0">
+              <a:latin typeface="Times New Roman" panose="02020603050405020304" pitchFamily="18" charset="0"/>
+              <a:cs typeface="Times New Roman" panose="02020603050405020304" pitchFamily="18" charset="0"/>
+            </a:endParaRPr>
+          </a:p>
+        </p:txBody>
+      </p:sp>
+      <p:cxnSp>
+        <p:nvCxnSpPr>
+          <p:cNvPr id="46" name="直線コネクタ 45"/>
+          <p:cNvCxnSpPr/>
+          <p:nvPr/>
+        </p:nvCxnSpPr>
+        <p:spPr>
+          <a:xfrm>
+            <a:off x="7108731" y="3773503"/>
+            <a:ext cx="829310" cy="1"/>
+          </a:xfrm>
+          <a:prstGeom prst="line">
+            <a:avLst/>
+          </a:prstGeom>
+          <a:ln w="12700"/>
+        </p:spPr>
+        <p:style>
+          <a:lnRef idx="1">
+            <a:schemeClr val="dk1"/>
+          </a:lnRef>
+          <a:fillRef idx="0">
+            <a:schemeClr val="dk1"/>
+          </a:fillRef>
+          <a:effectRef idx="0">
+            <a:schemeClr val="dk1"/>
+          </a:effectRef>
+          <a:fontRef idx="minor">
+            <a:schemeClr val="tx1"/>
+          </a:fontRef>
+        </p:style>
+      </p:cxnSp>
+      <p:sp>
+        <p:nvSpPr>
+          <p:cNvPr id="48" name="テキスト ボックス 47"/>
+          <p:cNvSpPr txBox="1"/>
+          <p:nvPr/>
+        </p:nvSpPr>
+        <p:spPr>
+          <a:xfrm>
+            <a:off x="7257929" y="3404171"/>
+            <a:ext cx="530915" cy="369332"/>
+          </a:xfrm>
+          <a:prstGeom prst="rect">
+            <a:avLst/>
+          </a:prstGeom>
+          <a:noFill/>
+        </p:spPr>
+        <p:txBody>
+          <a:bodyPr wrap="none" rtlCol="0">
+            <a:spAutoFit/>
+          </a:bodyPr>
+          <a:lstStyle/>
+          <a:p>
+            <a:r>
+              <a:rPr kumimoji="1" lang="en-US" altLang="ja-JP" dirty="0" smtClean="0">
+                <a:latin typeface="Times New Roman" panose="02020603050405020304" pitchFamily="18" charset="0"/>
+                <a:cs typeface="Times New Roman" panose="02020603050405020304" pitchFamily="18" charset="0"/>
+              </a:rPr>
+              <a:t>I2C</a:t>
+            </a:r>
+            <a:endParaRPr kumimoji="1" lang="ja-JP" altLang="en-US" dirty="0">
+              <a:latin typeface="Times New Roman" panose="02020603050405020304" pitchFamily="18" charset="0"/>
+              <a:cs typeface="Times New Roman" panose="02020603050405020304" pitchFamily="18" charset="0"/>
+            </a:endParaRPr>
+          </a:p>
+        </p:txBody>
+      </p:sp>
+      <p:cxnSp>
+        <p:nvCxnSpPr>
+          <p:cNvPr id="50" name="直線コネクタ 49"/>
+          <p:cNvCxnSpPr/>
+          <p:nvPr/>
+        </p:nvCxnSpPr>
+        <p:spPr>
+          <a:xfrm flipV="1">
+            <a:off x="4122074" y="3159186"/>
+            <a:ext cx="728848" cy="0"/>
+          </a:xfrm>
+          <a:prstGeom prst="line">
+            <a:avLst/>
+          </a:prstGeom>
+          <a:ln w="12700"/>
+        </p:spPr>
+        <p:style>
+          <a:lnRef idx="1">
+            <a:schemeClr val="dk1"/>
+          </a:lnRef>
+          <a:fillRef idx="0">
+            <a:schemeClr val="dk1"/>
+          </a:fillRef>
+          <a:effectRef idx="0">
+            <a:schemeClr val="dk1"/>
+          </a:effectRef>
+          <a:fontRef idx="minor">
+            <a:schemeClr val="tx1"/>
+          </a:fontRef>
+        </p:style>
+      </p:cxnSp>
+      <p:pic>
+        <p:nvPicPr>
+          <p:cNvPr id="26" name="図 25"/>
+          <p:cNvPicPr>
+            <a:picLocks noChangeAspect="1"/>
+          </p:cNvPicPr>
+          <p:nvPr/>
+        </p:nvPicPr>
+        <p:blipFill rotWithShape="1">
+          <a:blip r:embed="rId8" cstate="print">
+            <a:extLst>
+              <a:ext uri="{28A0092B-C50C-407E-A947-70E740481C1C}">
+                <a14:useLocalDpi xmlns:a14="http://schemas.microsoft.com/office/drawing/2010/main" val="0"/>
+              </a:ext>
+            </a:extLst>
+          </a:blip>
+          <a:srcRect l="-1" t="13292" r="380" b="20362"/>
+          <a:stretch/>
+        </p:blipFill>
+        <p:spPr>
+          <a:xfrm>
+            <a:off x="5105220" y="2493395"/>
+            <a:ext cx="1701623" cy="1133249"/>
+          </a:xfrm>
+          <a:prstGeom prst="rect">
+            <a:avLst/>
+          </a:prstGeom>
+        </p:spPr>
+      </p:pic>
+      <p:sp>
+        <p:nvSpPr>
+          <p:cNvPr id="27" name="正方形/長方形 26"/>
+          <p:cNvSpPr/>
+          <p:nvPr/>
+        </p:nvSpPr>
+        <p:spPr>
+          <a:xfrm>
+            <a:off x="4850922" y="2473876"/>
+            <a:ext cx="2257809" cy="1392048"/>
+          </a:xfrm>
+          <a:prstGeom prst="rect">
+            <a:avLst/>
+          </a:prstGeom>
+          <a:noFill/>
+          <a:ln>
+            <a:solidFill>
+              <a:schemeClr val="accent1"/>
+            </a:solidFill>
+          </a:ln>
+        </p:spPr>
+        <p:style>
+          <a:lnRef idx="2">
+            <a:schemeClr val="accent1">
+              <a:shade val="50000"/>
+            </a:schemeClr>
+          </a:lnRef>
+          <a:fillRef idx="1">
+            <a:schemeClr val="accent1"/>
+          </a:fillRef>
+          <a:effectRef idx="0">
+            <a:schemeClr val="accent1"/>
+          </a:effectRef>
+          <a:fontRef idx="minor">
+            <a:schemeClr val="lt1"/>
+          </a:fontRef>
+        </p:style>
+        <p:txBody>
+          <a:bodyPr rtlCol="0" anchor="ctr"/>
+          <a:lstStyle/>
+          <a:p>
+            <a:pPr algn="ctr"/>
+            <a:endParaRPr kumimoji="1" lang="ja-JP" altLang="en-US"/>
+          </a:p>
+        </p:txBody>
+      </p:sp>
+      <p:sp>
+        <p:nvSpPr>
+          <p:cNvPr id="33" name="テキスト ボックス 32"/>
+          <p:cNvSpPr txBox="1"/>
+          <p:nvPr/>
+        </p:nvSpPr>
+        <p:spPr>
+          <a:xfrm>
+            <a:off x="5332456" y="3475988"/>
+            <a:ext cx="1188082" cy="369332"/>
+          </a:xfrm>
+          <a:prstGeom prst="rect">
+            <a:avLst/>
+          </a:prstGeom>
+          <a:noFill/>
+        </p:spPr>
+        <p:txBody>
+          <a:bodyPr wrap="none" rtlCol="0">
+            <a:spAutoFit/>
+          </a:bodyPr>
+          <a:lstStyle/>
+          <a:p>
+            <a:r>
+              <a:rPr kumimoji="1" lang="en-US" altLang="ja-JP" dirty="0" smtClean="0">
+                <a:latin typeface="Times New Roman" panose="02020603050405020304" pitchFamily="18" charset="0"/>
+                <a:cs typeface="Times New Roman" panose="02020603050405020304" pitchFamily="18" charset="0"/>
+              </a:rPr>
+              <a:t>Teensy LC</a:t>
+            </a:r>
+            <a:endParaRPr kumimoji="1" lang="ja-JP" altLang="en-US" dirty="0">
+              <a:latin typeface="Times New Roman" panose="02020603050405020304" pitchFamily="18" charset="0"/>
+              <a:cs typeface="Times New Roman" panose="02020603050405020304" pitchFamily="18" charset="0"/>
+            </a:endParaRPr>
+          </a:p>
+        </p:txBody>
+      </p:sp>
+      <p:cxnSp>
+        <p:nvCxnSpPr>
+          <p:cNvPr id="49" name="直線コネクタ 48"/>
+          <p:cNvCxnSpPr>
+            <a:stCxn id="6" idx="2"/>
+            <a:endCxn id="27" idx="0"/>
+          </p:cNvCxnSpPr>
+          <p:nvPr/>
+        </p:nvCxnSpPr>
+        <p:spPr>
+          <a:xfrm flipH="1">
+            <a:off x="5979827" y="1930011"/>
+            <a:ext cx="0" cy="543865"/>
+          </a:xfrm>
+          <a:prstGeom prst="line">
+            <a:avLst/>
+          </a:prstGeom>
+          <a:ln w="12700">
+            <a:solidFill>
+              <a:schemeClr val="tx1"/>
+            </a:solidFill>
+          </a:ln>
+        </p:spPr>
+        <p:style>
+          <a:lnRef idx="1">
+            <a:schemeClr val="accent1"/>
+          </a:lnRef>
+          <a:fillRef idx="0">
+            <a:schemeClr val="accent1"/>
+          </a:fillRef>
+          <a:effectRef idx="0">
+            <a:schemeClr val="accent1"/>
+          </a:effectRef>
+          <a:fontRef idx="minor">
+            <a:schemeClr val="tx1"/>
+          </a:fontRef>
+        </p:style>
+      </p:cxnSp>
+      <p:sp>
+        <p:nvSpPr>
+          <p:cNvPr id="53" name="テキスト ボックス 52"/>
+          <p:cNvSpPr txBox="1"/>
+          <p:nvPr/>
+        </p:nvSpPr>
+        <p:spPr>
+          <a:xfrm>
+            <a:off x="4903532" y="3842485"/>
+            <a:ext cx="2198743" cy="461665"/>
+          </a:xfrm>
+          <a:prstGeom prst="rect">
+            <a:avLst/>
+          </a:prstGeom>
+          <a:noFill/>
+        </p:spPr>
+        <p:txBody>
+          <a:bodyPr wrap="none" rtlCol="0">
+            <a:spAutoFit/>
+          </a:bodyPr>
+          <a:lstStyle/>
+          <a:p>
+            <a:r>
+              <a:rPr kumimoji="1" lang="en-US" altLang="ja-JP" sz="2400" dirty="0" smtClean="0">
+                <a:solidFill>
+                  <a:schemeClr val="accent5"/>
+                </a:solidFill>
+                <a:latin typeface="Times New Roman" panose="02020603050405020304" pitchFamily="18" charset="0"/>
+                <a:cs typeface="Times New Roman" panose="02020603050405020304" pitchFamily="18" charset="0"/>
+              </a:rPr>
+              <a:t>Micro controller</a:t>
+            </a:r>
+            <a:endParaRPr kumimoji="1" lang="ja-JP" altLang="en-US" sz="2400" dirty="0">
+              <a:solidFill>
+                <a:schemeClr val="accent5"/>
+              </a:solidFill>
+              <a:latin typeface="Times New Roman" panose="02020603050405020304" pitchFamily="18" charset="0"/>
+              <a:cs typeface="Times New Roman" panose="02020603050405020304" pitchFamily="18" charset="0"/>
+            </a:endParaRPr>
+          </a:p>
+        </p:txBody>
+      </p:sp>
+      <p:sp>
+        <p:nvSpPr>
+          <p:cNvPr id="57" name="テキスト ボックス 56"/>
+          <p:cNvSpPr txBox="1"/>
+          <p:nvPr/>
+        </p:nvSpPr>
+        <p:spPr>
+          <a:xfrm>
+            <a:off x="5966028" y="2034390"/>
+            <a:ext cx="799193" cy="369332"/>
+          </a:xfrm>
+          <a:prstGeom prst="rect">
+            <a:avLst/>
+          </a:prstGeom>
+          <a:noFill/>
+        </p:spPr>
+        <p:txBody>
+          <a:bodyPr wrap="none" rtlCol="0">
+            <a:spAutoFit/>
+          </a:bodyPr>
+          <a:lstStyle/>
+          <a:p>
+            <a:r>
+              <a:rPr kumimoji="1" lang="en-US" altLang="ja-JP" dirty="0" smtClean="0">
+                <a:latin typeface="Times New Roman" panose="02020603050405020304" pitchFamily="18" charset="0"/>
+                <a:cs typeface="Times New Roman" panose="02020603050405020304" pitchFamily="18" charset="0"/>
+              </a:rPr>
+              <a:t>UART</a:t>
+            </a:r>
+            <a:endParaRPr kumimoji="1" lang="ja-JP" altLang="en-US" dirty="0">
+              <a:latin typeface="Times New Roman" panose="02020603050405020304" pitchFamily="18" charset="0"/>
+              <a:cs typeface="Times New Roman" panose="02020603050405020304" pitchFamily="18" charset="0"/>
+            </a:endParaRPr>
+          </a:p>
+        </p:txBody>
+      </p:sp>
+    </p:spTree>
+    <p:extLst>
+      <p:ext uri="{BB962C8B-B14F-4D97-AF65-F5344CB8AC3E}">
+        <p14:creationId xmlns:p14="http://schemas.microsoft.com/office/powerpoint/2010/main" val="3181837245"/>
+      </p:ext>
+    </p:extLst>
+  </p:cSld>
+  <p:clrMapOvr>
+    <a:masterClrMapping/>
+  </p:clrMapOvr>
+</p:sld>
+</file>
+
+<file path=ppt/slides/slide3.xml><?xml version="1.0" encoding="utf-8"?>
 <p:sld xmlns:a="http://schemas.openxmlformats.org/drawingml/2006/main" xmlns:r="http://schemas.openxmlformats.org/officeDocument/2006/relationships" xmlns:p="http://schemas.openxmlformats.org/presentationml/2006/main">
   <p:cSld>
     <p:spTree>
@@ -7361,7 +8954,7 @@
 </p:sld>
 </file>
 
-<file path=ppt/slides/slide3.xml><?xml version="1.0" encoding="utf-8"?>
+<file path=ppt/slides/slide4.xml><?xml version="1.0" encoding="utf-8"?>
 <p:sld xmlns:a="http://schemas.openxmlformats.org/drawingml/2006/main" xmlns:r="http://schemas.openxmlformats.org/officeDocument/2006/relationships" xmlns:p="http://schemas.openxmlformats.org/presentationml/2006/main">
   <p:cSld>
     <p:spTree>
